--- a/papers/cogsci2016/figs/timescale_table.pptx
+++ b/papers/cogsci2016/figs/timescale_table.pptx
@@ -2973,14 +2973,14 @@
           <p:nvPr>
             <p:extLst>
               <p:ext uri="{D42A27DB-BD31-4B8C-83A1-F6EECF244321}">
-                <p14:modId xmlns:p14="http://schemas.microsoft.com/office/powerpoint/2010/main" val="1624063195"/>
+                <p14:modId xmlns:p14="http://schemas.microsoft.com/office/powerpoint/2010/main" val="972200949"/>
               </p:ext>
             </p:extLst>
           </p:nvPr>
         </p:nvGraphicFramePr>
         <p:xfrm>
-          <a:off x="2032000" y="719666"/>
-          <a:ext cx="5252720" cy="3059854"/>
+          <a:off x="3984171" y="2591731"/>
+          <a:ext cx="5852869" cy="3564139"/>
         </p:xfrm>
         <a:graphic>
           <a:graphicData uri="http://schemas.openxmlformats.org/drawingml/2006/table">
@@ -2989,12 +2989,12 @@
                 <a:tableStyleId>{5940675A-B579-460E-94D1-54222C63F5DA}</a:tableStyleId>
               </a:tblPr>
               <a:tblGrid>
-                <a:gridCol w="1313180"/>
-                <a:gridCol w="1313180"/>
-                <a:gridCol w="1313180"/>
-                <a:gridCol w="1313180"/>
+                <a:gridCol w="996043"/>
+                <a:gridCol w="1618942"/>
+                <a:gridCol w="1618942"/>
+                <a:gridCol w="1618942"/>
               </a:tblGrid>
-              <a:tr h="997212">
+              <a:tr h="1072975">
                 <a:tc>
                   <a:txBody>
                     <a:bodyPr/>
@@ -3002,14 +3002,25 @@
                     <a:p>
                       <a:pPr algn="ctr"/>
                       <a:r>
-                        <a:rPr lang="en-US" dirty="0" smtClean="0">
+                        <a:rPr lang="en-US" sz="1600" b="1" dirty="0" smtClean="0">
                           <a:latin typeface="Times New Roman" charset="0"/>
                           <a:ea typeface="Times New Roman" charset="0"/>
                           <a:cs typeface="Times New Roman" charset="0"/>
                         </a:rPr>
-                        <a:t>External pressure</a:t>
+                        <a:t>External </a:t>
                       </a:r>
-                      <a:endParaRPr lang="en-US" dirty="0">
+                    </a:p>
+                    <a:p>
+                      <a:pPr algn="ctr"/>
+                      <a:r>
+                        <a:rPr lang="en-US" sz="1600" b="1" dirty="0" smtClean="0">
+                          <a:latin typeface="Times New Roman" charset="0"/>
+                          <a:ea typeface="Times New Roman" charset="0"/>
+                          <a:cs typeface="Times New Roman" charset="0"/>
+                        </a:rPr>
+                        <a:t>Pressure</a:t>
+                      </a:r>
+                      <a:endParaRPr lang="en-US" sz="1600" b="1" dirty="0">
                         <a:latin typeface="Times New Roman" charset="0"/>
                         <a:ea typeface="Times New Roman" charset="0"/>
                         <a:cs typeface="Times New Roman" charset="0"/>
@@ -3020,7 +3031,7 @@
                     <a:lnL w="12700" cmpd="sng">
                       <a:noFill/>
                     </a:lnL>
-                    <a:lnR w="12700" cap="flat" cmpd="sng" algn="ctr">
+                    <a:lnR w="38100" cap="flat" cmpd="sng" algn="ctr">
                       <a:solidFill>
                         <a:schemeClr val="tx1"/>
                       </a:solidFill>
@@ -3051,15 +3062,29 @@
                     <a:lstStyle/>
                     <a:p>
                       <a:pPr algn="ctr"/>
-                      <a:endParaRPr lang="en-US" dirty="0">
-                        <a:latin typeface="Times New Roman" charset="0"/>
-                        <a:ea typeface="Times New Roman" charset="0"/>
-                        <a:cs typeface="Times New Roman" charset="0"/>
-                      </a:endParaRPr>
+                      <a:r>
+                        <a:rPr lang="en-US" sz="1400" dirty="0" smtClean="0">
+                          <a:latin typeface="Times New Roman" charset="0"/>
+                          <a:ea typeface="Times New Roman" charset="0"/>
+                          <a:cs typeface="Times New Roman" charset="0"/>
+                        </a:rPr>
+                        <a:t>Communicative partner</a:t>
+                      </a:r>
+                    </a:p>
+                    <a:p>
+                      <a:pPr algn="ctr"/>
+                      <a:r>
+                        <a:rPr lang="en-US" sz="1400" baseline="0" dirty="0" smtClean="0">
+                          <a:latin typeface="Times New Roman" charset="0"/>
+                          <a:ea typeface="Times New Roman" charset="0"/>
+                          <a:cs typeface="Times New Roman" charset="0"/>
+                        </a:rPr>
+                        <a:t>[perspective taking]</a:t>
+                      </a:r>
                     </a:p>
                   </a:txBody>
-                  <a:tcPr>
-                    <a:lnL w="12700" cap="flat" cmpd="sng" algn="ctr">
+                  <a:tcPr anchor="ctr">
+                    <a:lnL w="38100" cap="flat" cmpd="sng" algn="ctr">
                       <a:solidFill>
                         <a:schemeClr val="tx1"/>
                       </a:solidFill>
@@ -3068,7 +3093,7 @@
                       <a:headEnd type="none" w="med" len="med"/>
                       <a:tailEnd type="none" w="med" len="med"/>
                     </a:lnL>
-                    <a:lnR w="12700" cap="flat" cmpd="sng" algn="ctr">
+                    <a:lnR w="38100" cap="flat" cmpd="sng" algn="ctr">
                       <a:solidFill>
                         <a:schemeClr val="tx1"/>
                       </a:solidFill>
@@ -3077,7 +3102,7 @@
                       <a:headEnd type="none" w="med" len="med"/>
                       <a:tailEnd type="none" w="med" len="med"/>
                     </a:lnR>
-                    <a:lnT w="12700" cap="flat" cmpd="sng" algn="ctr">
+                    <a:lnT w="38100" cap="flat" cmpd="sng" algn="ctr">
                       <a:solidFill>
                         <a:schemeClr val="tx1"/>
                       </a:solidFill>
@@ -3086,7 +3111,7 @@
                       <a:headEnd type="none" w="med" len="med"/>
                       <a:tailEnd type="none" w="med" len="med"/>
                     </a:lnT>
-                    <a:lnB w="12700" cap="flat" cmpd="sng" algn="ctr">
+                    <a:lnB w="38100" cap="flat" cmpd="sng" algn="ctr">
                       <a:solidFill>
                         <a:schemeClr val="tx1"/>
                       </a:solidFill>
@@ -3103,15 +3128,42 @@
                     <a:lstStyle/>
                     <a:p>
                       <a:pPr algn="ctr"/>
-                      <a:endParaRPr lang="en-US" dirty="0">
+                      <a:r>
+                        <a:rPr lang="en-US" sz="1400" dirty="0" smtClean="0">
+                          <a:latin typeface="Times New Roman" charset="0"/>
+                          <a:ea typeface="Times New Roman" charset="0"/>
+                          <a:cs typeface="Times New Roman" charset="0"/>
+                        </a:rPr>
+                        <a:t>Caregiver</a:t>
+                      </a:r>
+                      <a:r>
+                        <a:rPr lang="en-US" sz="1400" baseline="0" dirty="0" smtClean="0">
+                          <a:latin typeface="Times New Roman" charset="0"/>
+                          <a:ea typeface="Times New Roman" charset="0"/>
+                          <a:cs typeface="Times New Roman" charset="0"/>
+                        </a:rPr>
+                        <a:t> </a:t>
+                      </a:r>
+                    </a:p>
+                    <a:p>
+                      <a:pPr algn="ctr"/>
+                      <a:r>
+                        <a:rPr lang="en-US" sz="1400" baseline="0" dirty="0" smtClean="0">
+                          <a:latin typeface="Times New Roman" charset="0"/>
+                          <a:ea typeface="Times New Roman" charset="0"/>
+                          <a:cs typeface="Times New Roman" charset="0"/>
+                        </a:rPr>
+                        <a:t>[amount of input]</a:t>
+                      </a:r>
+                      <a:endParaRPr lang="en-US" sz="1400" dirty="0">
                         <a:latin typeface="Times New Roman" charset="0"/>
                         <a:ea typeface="Times New Roman" charset="0"/>
                         <a:cs typeface="Times New Roman" charset="0"/>
                       </a:endParaRPr>
                     </a:p>
                   </a:txBody>
-                  <a:tcPr>
-                    <a:lnL w="12700" cap="flat" cmpd="sng" algn="ctr">
+                  <a:tcPr anchor="ctr">
+                    <a:lnL w="38100" cap="flat" cmpd="sng" algn="ctr">
                       <a:solidFill>
                         <a:schemeClr val="tx1"/>
                       </a:solidFill>
@@ -3120,7 +3172,7 @@
                       <a:headEnd type="none" w="med" len="med"/>
                       <a:tailEnd type="none" w="med" len="med"/>
                     </a:lnL>
-                    <a:lnR w="12700" cap="flat" cmpd="sng" algn="ctr">
+                    <a:lnR w="38100" cap="flat" cmpd="sng" algn="ctr">
                       <a:solidFill>
                         <a:schemeClr val="tx1"/>
                       </a:solidFill>
@@ -3129,7 +3181,7 @@
                       <a:headEnd type="none" w="med" len="med"/>
                       <a:tailEnd type="none" w="med" len="med"/>
                     </a:lnR>
-                    <a:lnT w="12700" cap="flat" cmpd="sng" algn="ctr">
+                    <a:lnT w="38100" cap="flat" cmpd="sng" algn="ctr">
                       <a:solidFill>
                         <a:schemeClr val="tx1"/>
                       </a:solidFill>
@@ -3138,7 +3190,7 @@
                       <a:headEnd type="none" w="med" len="med"/>
                       <a:tailEnd type="none" w="med" len="med"/>
                     </a:lnT>
-                    <a:lnB w="12700" cap="flat" cmpd="sng" algn="ctr">
+                    <a:lnB w="38100" cap="flat" cmpd="sng" algn="ctr">
                       <a:solidFill>
                         <a:schemeClr val="tx1"/>
                       </a:solidFill>
@@ -3155,15 +3207,29 @@
                     <a:lstStyle/>
                     <a:p>
                       <a:pPr algn="ctr"/>
-                      <a:endParaRPr lang="en-US">
-                        <a:latin typeface="Times New Roman" charset="0"/>
-                        <a:ea typeface="Times New Roman" charset="0"/>
-                        <a:cs typeface="Times New Roman" charset="0"/>
-                      </a:endParaRPr>
+                      <a:r>
+                        <a:rPr lang="en-US" sz="1400" dirty="0" smtClean="0">
+                          <a:latin typeface="Times New Roman" charset="0"/>
+                          <a:ea typeface="Times New Roman" charset="0"/>
+                          <a:cs typeface="Times New Roman" charset="0"/>
+                        </a:rPr>
+                        <a:t>Language contact</a:t>
+                      </a:r>
+                    </a:p>
+                    <a:p>
+                      <a:pPr algn="ctr"/>
+                      <a:r>
+                        <a:rPr lang="en-US" sz="1400" dirty="0" smtClean="0">
+                          <a:latin typeface="Times New Roman" charset="0"/>
+                          <a:ea typeface="Times New Roman" charset="0"/>
+                          <a:cs typeface="Times New Roman" charset="0"/>
+                        </a:rPr>
+                        <a:t>[creoles]</a:t>
+                      </a:r>
                     </a:p>
                   </a:txBody>
-                  <a:tcPr>
-                    <a:lnL w="12700" cap="flat" cmpd="sng" algn="ctr">
+                  <a:tcPr anchor="ctr">
+                    <a:lnL w="38100" cap="flat" cmpd="sng" algn="ctr">
                       <a:solidFill>
                         <a:schemeClr val="tx1"/>
                       </a:solidFill>
@@ -3172,7 +3238,7 @@
                       <a:headEnd type="none" w="med" len="med"/>
                       <a:tailEnd type="none" w="med" len="med"/>
                     </a:lnL>
-                    <a:lnR w="12700" cap="flat" cmpd="sng" algn="ctr">
+                    <a:lnR w="38100" cap="flat" cmpd="sng" algn="ctr">
                       <a:solidFill>
                         <a:schemeClr val="tx1"/>
                       </a:solidFill>
@@ -3181,7 +3247,7 @@
                       <a:headEnd type="none" w="med" len="med"/>
                       <a:tailEnd type="none" w="med" len="med"/>
                     </a:lnR>
-                    <a:lnT w="12700" cap="flat" cmpd="sng" algn="ctr">
+                    <a:lnT w="38100" cap="flat" cmpd="sng" algn="ctr">
                       <a:solidFill>
                         <a:schemeClr val="tx1"/>
                       </a:solidFill>
@@ -3190,7 +3256,7 @@
                       <a:headEnd type="none" w="med" len="med"/>
                       <a:tailEnd type="none" w="med" len="med"/>
                     </a:lnT>
-                    <a:lnB w="12700" cap="flat" cmpd="sng" algn="ctr">
+                    <a:lnB w="38100" cap="flat" cmpd="sng" algn="ctr">
                       <a:solidFill>
                         <a:schemeClr val="tx1"/>
                       </a:solidFill>
@@ -3199,10 +3265,15 @@
                       <a:headEnd type="none" w="med" len="med"/>
                       <a:tailEnd type="none" w="med" len="med"/>
                     </a:lnB>
+                    <a:solidFill>
+                      <a:srgbClr val="FF2500">
+                        <a:alpha val="20000"/>
+                      </a:srgbClr>
+                    </a:solidFill>
                   </a:tcPr>
                 </a:tc>
               </a:tr>
-              <a:tr h="997212">
+              <a:tr h="1072975">
                 <a:tc>
                   <a:txBody>
                     <a:bodyPr/>
@@ -3210,14 +3281,25 @@
                     <a:p>
                       <a:pPr algn="ctr"/>
                       <a:r>
-                        <a:rPr lang="en-US" dirty="0" smtClean="0">
+                        <a:rPr lang="en-US" sz="1600" b="1" dirty="0" smtClean="0">
                           <a:latin typeface="Times New Roman" charset="0"/>
                           <a:ea typeface="Times New Roman" charset="0"/>
                           <a:cs typeface="Times New Roman" charset="0"/>
                         </a:rPr>
-                        <a:t>Internal pressure</a:t>
+                        <a:t>Internal </a:t>
                       </a:r>
-                      <a:endParaRPr lang="en-US" dirty="0">
+                    </a:p>
+                    <a:p>
+                      <a:pPr algn="ctr"/>
+                      <a:r>
+                        <a:rPr lang="en-US" sz="1600" b="1" dirty="0" smtClean="0">
+                          <a:latin typeface="Times New Roman" charset="0"/>
+                          <a:ea typeface="Times New Roman" charset="0"/>
+                          <a:cs typeface="Times New Roman" charset="0"/>
+                        </a:rPr>
+                        <a:t>Pressure</a:t>
+                      </a:r>
+                      <a:endParaRPr lang="en-US" sz="1600" b="1" dirty="0">
                         <a:latin typeface="Times New Roman" charset="0"/>
                         <a:ea typeface="Times New Roman" charset="0"/>
                         <a:cs typeface="Times New Roman" charset="0"/>
@@ -3228,7 +3310,7 @@
                     <a:lnL w="12700" cmpd="sng">
                       <a:noFill/>
                     </a:lnL>
-                    <a:lnR w="12700" cap="flat" cmpd="sng" algn="ctr">
+                    <a:lnR w="38100" cap="flat" cmpd="sng" algn="ctr">
                       <a:solidFill>
                         <a:schemeClr val="tx1"/>
                       </a:solidFill>
@@ -3259,15 +3341,37 @@
                     <a:lstStyle/>
                     <a:p>
                       <a:pPr algn="ctr"/>
-                      <a:endParaRPr lang="en-US" dirty="0">
-                        <a:latin typeface="Times New Roman" charset="0"/>
-                        <a:ea typeface="Times New Roman" charset="0"/>
-                        <a:cs typeface="Times New Roman" charset="0"/>
-                      </a:endParaRPr>
+                      <a:r>
+                        <a:rPr lang="en-US" sz="1400" dirty="0" smtClean="0">
+                          <a:latin typeface="Times New Roman" charset="0"/>
+                          <a:ea typeface="Times New Roman" charset="0"/>
+                          <a:cs typeface="Times New Roman" charset="0"/>
+                        </a:rPr>
+                        <a:t>Constraints on effort and</a:t>
+                      </a:r>
+                      <a:r>
+                        <a:rPr lang="en-US" sz="1400" baseline="0" dirty="0" smtClean="0">
+                          <a:latin typeface="Times New Roman" charset="0"/>
+                          <a:ea typeface="Times New Roman" charset="0"/>
+                          <a:cs typeface="Times New Roman" charset="0"/>
+                        </a:rPr>
+                        <a:t> memory</a:t>
+                      </a:r>
+                    </a:p>
+                    <a:p>
+                      <a:pPr algn="ctr"/>
+                      <a:r>
+                        <a:rPr lang="en-US" sz="1400" baseline="0" dirty="0" smtClean="0">
+                          <a:latin typeface="Times New Roman" charset="0"/>
+                          <a:ea typeface="Times New Roman" charset="0"/>
+                          <a:cs typeface="Times New Roman" charset="0"/>
+                        </a:rPr>
+                        <a:t>[brief utterances]</a:t>
+                      </a:r>
                     </a:p>
                   </a:txBody>
-                  <a:tcPr>
-                    <a:lnL w="12700" cap="flat" cmpd="sng" algn="ctr">
+                  <a:tcPr anchor="ctr">
+                    <a:lnL w="38100" cap="flat" cmpd="sng" algn="ctr">
                       <a:solidFill>
                         <a:schemeClr val="tx1"/>
                       </a:solidFill>
@@ -3276,7 +3380,7 @@
                       <a:headEnd type="none" w="med" len="med"/>
                       <a:tailEnd type="none" w="med" len="med"/>
                     </a:lnL>
-                    <a:lnR w="12700" cap="flat" cmpd="sng" algn="ctr">
+                    <a:lnR w="38100" cap="flat" cmpd="sng" algn="ctr">
                       <a:solidFill>
                         <a:schemeClr val="tx1"/>
                       </a:solidFill>
@@ -3285,7 +3389,7 @@
                       <a:headEnd type="none" w="med" len="med"/>
                       <a:tailEnd type="none" w="med" len="med"/>
                     </a:lnR>
-                    <a:lnT w="12700" cap="flat" cmpd="sng" algn="ctr">
+                    <a:lnT w="38100" cap="flat" cmpd="sng" algn="ctr">
                       <a:solidFill>
                         <a:schemeClr val="tx1"/>
                       </a:solidFill>
@@ -3294,7 +3398,7 @@
                       <a:headEnd type="none" w="med" len="med"/>
                       <a:tailEnd type="none" w="med" len="med"/>
                     </a:lnT>
-                    <a:lnB w="12700" cap="flat" cmpd="sng" algn="ctr">
+                    <a:lnB w="38100" cap="flat" cmpd="sng" algn="ctr">
                       <a:solidFill>
                         <a:schemeClr val="tx1"/>
                       </a:solidFill>
@@ -3311,15 +3415,66 @@
                     <a:lstStyle/>
                     <a:p>
                       <a:pPr algn="ctr"/>
-                      <a:endParaRPr lang="en-US" dirty="0">
+                      <a:r>
+                        <a:rPr lang="en-US" sz="1400" dirty="0" smtClean="0">
+                          <a:latin typeface="Times New Roman" charset="0"/>
+                          <a:ea typeface="Times New Roman" charset="0"/>
+                          <a:cs typeface="Times New Roman" charset="0"/>
+                        </a:rPr>
+                        <a:t>Cognitive</a:t>
+                      </a:r>
+                      <a:r>
+                        <a:rPr lang="en-US" sz="1400" baseline="0" dirty="0" smtClean="0">
+                          <a:latin typeface="Times New Roman" charset="0"/>
+                          <a:ea typeface="Times New Roman" charset="0"/>
+                          <a:cs typeface="Times New Roman" charset="0"/>
+                        </a:rPr>
+                        <a:t>/physical m</a:t>
+                      </a:r>
+                      <a:r>
+                        <a:rPr lang="en-US" sz="1400" dirty="0" smtClean="0">
+                          <a:latin typeface="Times New Roman" charset="0"/>
+                          <a:ea typeface="Times New Roman" charset="0"/>
+                          <a:cs typeface="Times New Roman" charset="0"/>
+                        </a:rPr>
+                        <a:t>aturation</a:t>
+                      </a:r>
+                    </a:p>
+                    <a:p>
+                      <a:pPr algn="ctr"/>
+                      <a:r>
+                        <a:rPr lang="en-US" sz="1400" dirty="0" smtClean="0">
+                          <a:latin typeface="Times New Roman" charset="0"/>
+                          <a:ea typeface="Times New Roman" charset="0"/>
+                          <a:cs typeface="Times New Roman" charset="0"/>
+                        </a:rPr>
+                        <a:t>[utterance</a:t>
+                      </a:r>
+                      <a:r>
+                        <a:rPr lang="en-US" sz="1400" baseline="0" dirty="0" smtClean="0">
+                          <a:latin typeface="Times New Roman" charset="0"/>
+                          <a:ea typeface="Times New Roman" charset="0"/>
+                          <a:cs typeface="Times New Roman" charset="0"/>
+                        </a:rPr>
+                        <a:t> complexity</a:t>
+                      </a:r>
+                      <a:r>
+                        <a:rPr lang="en-US" sz="1400" dirty="0" smtClean="0">
+                          <a:latin typeface="Times New Roman" charset="0"/>
+                          <a:ea typeface="Times New Roman" charset="0"/>
+                          <a:cs typeface="Times New Roman" charset="0"/>
+                        </a:rPr>
+                        <a:t>]</a:t>
+                      </a:r>
+                      <a:endParaRPr lang="en-US" sz="1400" dirty="0">
                         <a:latin typeface="Times New Roman" charset="0"/>
                         <a:ea typeface="Times New Roman" charset="0"/>
                         <a:cs typeface="Times New Roman" charset="0"/>
                       </a:endParaRPr>
                     </a:p>
                   </a:txBody>
-                  <a:tcPr>
-                    <a:lnL w="12700" cap="flat" cmpd="sng" algn="ctr">
+                  <a:tcPr anchor="ctr">
+                    <a:lnL w="38100" cap="flat" cmpd="sng" algn="ctr">
                       <a:solidFill>
                         <a:schemeClr val="tx1"/>
                       </a:solidFill>
@@ -3328,7 +3483,7 @@
                       <a:headEnd type="none" w="med" len="med"/>
                       <a:tailEnd type="none" w="med" len="med"/>
                     </a:lnL>
-                    <a:lnR w="12700" cap="flat" cmpd="sng" algn="ctr">
+                    <a:lnR w="38100" cap="flat" cmpd="sng" algn="ctr">
                       <a:solidFill>
                         <a:schemeClr val="tx1"/>
                       </a:solidFill>
@@ -3337,7 +3492,7 @@
                       <a:headEnd type="none" w="med" len="med"/>
                       <a:tailEnd type="none" w="med" len="med"/>
                     </a:lnR>
-                    <a:lnT w="12700" cap="flat" cmpd="sng" algn="ctr">
+                    <a:lnT w="38100" cap="flat" cmpd="sng" algn="ctr">
                       <a:solidFill>
                         <a:schemeClr val="tx1"/>
                       </a:solidFill>
@@ -3346,7 +3501,7 @@
                       <a:headEnd type="none" w="med" len="med"/>
                       <a:tailEnd type="none" w="med" len="med"/>
                     </a:lnT>
-                    <a:lnB w="12700" cap="flat" cmpd="sng" algn="ctr">
+                    <a:lnB w="38100" cap="flat" cmpd="sng" algn="ctr">
                       <a:solidFill>
                         <a:schemeClr val="tx1"/>
                       </a:solidFill>
@@ -3363,15 +3518,29 @@
                     <a:lstStyle/>
                     <a:p>
                       <a:pPr algn="ctr"/>
-                      <a:endParaRPr lang="en-US" dirty="0">
-                        <a:latin typeface="Times New Roman" charset="0"/>
-                        <a:ea typeface="Times New Roman" charset="0"/>
-                        <a:cs typeface="Times New Roman" charset="0"/>
-                      </a:endParaRPr>
+                      <a:r>
+                        <a:rPr lang="en-US" sz="1400" dirty="0" smtClean="0">
+                          <a:latin typeface="Times New Roman" charset="0"/>
+                          <a:ea typeface="Times New Roman" charset="0"/>
+                          <a:cs typeface="Times New Roman" charset="0"/>
+                        </a:rPr>
+                        <a:t>L2 learners</a:t>
+                      </a:r>
+                    </a:p>
+                    <a:p>
+                      <a:pPr algn="ctr"/>
+                      <a:r>
+                        <a:rPr lang="en-US" sz="1400" dirty="0" smtClean="0">
+                          <a:latin typeface="Times New Roman" charset="0"/>
+                          <a:ea typeface="Times New Roman" charset="0"/>
+                          <a:cs typeface="Times New Roman" charset="0"/>
+                        </a:rPr>
+                        <a:t>[morphological complexity]</a:t>
+                      </a:r>
                     </a:p>
                   </a:txBody>
-                  <a:tcPr>
-                    <a:lnL w="12700" cap="flat" cmpd="sng" algn="ctr">
+                  <a:tcPr anchor="ctr">
+                    <a:lnL w="38100" cap="flat" cmpd="sng" algn="ctr">
                       <a:solidFill>
                         <a:schemeClr val="tx1"/>
                       </a:solidFill>
@@ -3380,7 +3549,7 @@
                       <a:headEnd type="none" w="med" len="med"/>
                       <a:tailEnd type="none" w="med" len="med"/>
                     </a:lnL>
-                    <a:lnR w="12700" cap="flat" cmpd="sng" algn="ctr">
+                    <a:lnR w="38100" cap="flat" cmpd="sng" algn="ctr">
                       <a:solidFill>
                         <a:schemeClr val="tx1"/>
                       </a:solidFill>
@@ -3389,7 +3558,7 @@
                       <a:headEnd type="none" w="med" len="med"/>
                       <a:tailEnd type="none" w="med" len="med"/>
                     </a:lnR>
-                    <a:lnT w="12700" cap="flat" cmpd="sng" algn="ctr">
+                    <a:lnT w="38100" cap="flat" cmpd="sng" algn="ctr">
                       <a:solidFill>
                         <a:schemeClr val="tx1"/>
                       </a:solidFill>
@@ -3398,7 +3567,7 @@
                       <a:headEnd type="none" w="med" len="med"/>
                       <a:tailEnd type="none" w="med" len="med"/>
                     </a:lnT>
-                    <a:lnB w="12700" cap="flat" cmpd="sng" algn="ctr">
+                    <a:lnB w="38100" cap="flat" cmpd="sng" algn="ctr">
                       <a:solidFill>
                         <a:schemeClr val="tx1"/>
                       </a:solidFill>
@@ -3407,10 +3576,15 @@
                       <a:headEnd type="none" w="med" len="med"/>
                       <a:tailEnd type="none" w="med" len="med"/>
                     </a:lnB>
+                    <a:solidFill>
+                      <a:srgbClr val="FF2500">
+                        <a:alpha val="20000"/>
+                      </a:srgbClr>
+                    </a:solidFill>
                   </a:tcPr>
                 </a:tc>
               </a:tr>
-              <a:tr h="425350">
+              <a:tr h="790351">
                 <a:tc>
                   <a:txBody>
                     <a:bodyPr/>
@@ -3454,14 +3628,30 @@
                     <a:p>
                       <a:pPr algn="ctr"/>
                       <a:r>
-                        <a:rPr lang="en-US" dirty="0" smtClean="0">
+                        <a:rPr lang="en-US" sz="1600" b="1" dirty="0" smtClean="0">
                           <a:latin typeface="Times New Roman" charset="0"/>
                           <a:ea typeface="Times New Roman" charset="0"/>
                           <a:cs typeface="Times New Roman" charset="0"/>
                         </a:rPr>
                         <a:t>Pragmatics</a:t>
                       </a:r>
-                      <a:endParaRPr lang="en-US" dirty="0">
+                      <a:endParaRPr lang="en-US" b="1" dirty="0" smtClean="0">
+                        <a:latin typeface="Times New Roman" charset="0"/>
+                        <a:ea typeface="Times New Roman" charset="0"/>
+                        <a:cs typeface="Times New Roman" charset="0"/>
+                      </a:endParaRPr>
+                    </a:p>
+                    <a:p>
+                      <a:pPr algn="ctr"/>
+                      <a:r>
+                        <a:rPr lang="en-US" sz="1400" dirty="0" smtClean="0">
+                          <a:latin typeface="Times New Roman" charset="0"/>
+                          <a:ea typeface="Times New Roman" charset="0"/>
+                          <a:cs typeface="Times New Roman" charset="0"/>
+                        </a:rPr>
+                        <a:t>(utterances)</a:t>
+                      </a:r>
+                      <a:endParaRPr lang="en-US" sz="1400" dirty="0">
                         <a:latin typeface="Times New Roman" charset="0"/>
                         <a:ea typeface="Times New Roman" charset="0"/>
                         <a:cs typeface="Times New Roman" charset="0"/>
@@ -3475,7 +3665,7 @@
                     <a:lnR w="12700" cmpd="sng">
                       <a:noFill/>
                     </a:lnR>
-                    <a:lnT w="12700" cap="flat" cmpd="sng" algn="ctr">
+                    <a:lnT w="38100" cap="flat" cmpd="sng" algn="ctr">
                       <a:solidFill>
                         <a:schemeClr val="tx1"/>
                       </a:solidFill>
@@ -3508,14 +3698,30 @@
                     <a:p>
                       <a:pPr algn="ctr"/>
                       <a:r>
-                        <a:rPr lang="en-US" dirty="0" smtClean="0">
+                        <a:rPr lang="en-US" sz="1600" b="1" dirty="0" smtClean="0">
                           <a:latin typeface="Times New Roman" charset="0"/>
                           <a:ea typeface="Times New Roman" charset="0"/>
                           <a:cs typeface="Times New Roman" charset="0"/>
                         </a:rPr>
                         <a:t>Acquisition</a:t>
                       </a:r>
-                      <a:endParaRPr lang="en-US" dirty="0">
+                      <a:endParaRPr lang="en-US" b="1" dirty="0" smtClean="0">
+                        <a:latin typeface="Times New Roman" charset="0"/>
+                        <a:ea typeface="Times New Roman" charset="0"/>
+                        <a:cs typeface="Times New Roman" charset="0"/>
+                      </a:endParaRPr>
+                    </a:p>
+                    <a:p>
+                      <a:pPr algn="ctr"/>
+                      <a:r>
+                        <a:rPr lang="en-US" sz="1400" dirty="0" smtClean="0">
+                          <a:latin typeface="Times New Roman" charset="0"/>
+                          <a:ea typeface="Times New Roman" charset="0"/>
+                          <a:cs typeface="Times New Roman" charset="0"/>
+                        </a:rPr>
+                        <a:t>(person’s language experience)</a:t>
+                      </a:r>
+                      <a:endParaRPr lang="en-US" sz="1400" dirty="0">
                         <a:latin typeface="Times New Roman" charset="0"/>
                         <a:ea typeface="Times New Roman" charset="0"/>
                         <a:cs typeface="Times New Roman" charset="0"/>
@@ -3529,7 +3735,7 @@
                     <a:lnR w="12700" cmpd="sng">
                       <a:noFill/>
                     </a:lnR>
-                    <a:lnT w="12700" cap="flat" cmpd="sng" algn="ctr">
+                    <a:lnT w="38100" cap="flat" cmpd="sng" algn="ctr">
                       <a:solidFill>
                         <a:schemeClr val="tx1"/>
                       </a:solidFill>
@@ -3562,14 +3768,30 @@
                     <a:p>
                       <a:pPr algn="ctr"/>
                       <a:r>
-                        <a:rPr lang="en-US" dirty="0" smtClean="0">
+                        <a:rPr lang="en-US" sz="1600" b="1" dirty="0" smtClean="0">
                           <a:latin typeface="Times New Roman" charset="0"/>
                           <a:ea typeface="Times New Roman" charset="0"/>
                           <a:cs typeface="Times New Roman" charset="0"/>
                         </a:rPr>
                         <a:t>Evolution</a:t>
                       </a:r>
-                      <a:endParaRPr lang="en-US" dirty="0">
+                      <a:endParaRPr lang="en-US" b="1" dirty="0" smtClean="0">
+                        <a:latin typeface="Times New Roman" charset="0"/>
+                        <a:ea typeface="Times New Roman" charset="0"/>
+                        <a:cs typeface="Times New Roman" charset="0"/>
+                      </a:endParaRPr>
+                    </a:p>
+                    <a:p>
+                      <a:pPr algn="ctr"/>
+                      <a:r>
+                        <a:rPr lang="en-US" sz="1400" dirty="0" smtClean="0">
+                          <a:latin typeface="Times New Roman" charset="0"/>
+                          <a:ea typeface="Times New Roman" charset="0"/>
+                          <a:cs typeface="Times New Roman" charset="0"/>
+                        </a:rPr>
+                        <a:t>(language system)</a:t>
+                      </a:r>
+                      <a:endParaRPr lang="en-US" sz="1400" dirty="0">
                         <a:latin typeface="Times New Roman" charset="0"/>
                         <a:ea typeface="Times New Roman" charset="0"/>
                         <a:cs typeface="Times New Roman" charset="0"/>
@@ -3583,7 +3805,7 @@
                     <a:lnR w="12700" cmpd="sng">
                       <a:noFill/>
                     </a:lnR>
-                    <a:lnT w="12700" cap="flat" cmpd="sng" algn="ctr">
+                    <a:lnT w="38100" cap="flat" cmpd="sng" algn="ctr">
                       <a:solidFill>
                         <a:schemeClr val="tx1"/>
                       </a:solidFill>
@@ -3610,7 +3832,7 @@
                   </a:tcPr>
                 </a:tc>
               </a:tr>
-              <a:tr h="577750">
+              <a:tr h="627838">
                 <a:tc>
                   <a:txBody>
                     <a:bodyPr/>
@@ -3654,13 +3876,18 @@
                     <a:p>
                       <a:pPr algn="ctr"/>
                       <a:r>
-                        <a:rPr lang="en-US" i="1" dirty="0" smtClean="0">
+                        <a:rPr lang="en-US" sz="1600" i="1" dirty="0" smtClean="0">
                           <a:latin typeface="Times New Roman" charset="0"/>
                           <a:ea typeface="Times New Roman" charset="0"/>
                           <a:cs typeface="Times New Roman" charset="0"/>
                         </a:rPr>
                         <a:t>Timescale</a:t>
                       </a:r>
+                      <a:endParaRPr lang="en-US" i="1" dirty="0" smtClean="0">
+                        <a:latin typeface="Times New Roman" charset="0"/>
+                        <a:ea typeface="Times New Roman" charset="0"/>
+                        <a:cs typeface="Times New Roman" charset="0"/>
+                      </a:endParaRPr>
                     </a:p>
                     <a:p>
                       <a:pPr algn="ctr"/>
@@ -3787,6 +4014,57 @@
           </a:graphicData>
         </a:graphic>
       </p:graphicFrame>
+      <p:sp>
+        <p:nvSpPr>
+          <p:cNvPr id="5" name="TextBox 4"/>
+          <p:cNvSpPr txBox="1"/>
+          <p:nvPr/>
+        </p:nvSpPr>
+        <p:spPr>
+          <a:xfrm rot="5400000">
+            <a:off x="9428826" y="3476526"/>
+            <a:ext cx="1772574" cy="584775"/>
+          </a:xfrm>
+          <a:prstGeom prst="rect">
+            <a:avLst/>
+          </a:prstGeom>
+          <a:noFill/>
+        </p:spPr>
+        <p:txBody>
+          <a:bodyPr wrap="square" rtlCol="0">
+            <a:spAutoFit/>
+          </a:bodyPr>
+          <a:lstStyle/>
+          <a:p>
+            <a:pPr algn="ctr"/>
+            <a:r>
+              <a:rPr lang="en-US" sz="1600" dirty="0" smtClean="0">
+                <a:solidFill>
+                  <a:srgbClr val="FF0000"/>
+                </a:solidFill>
+                <a:latin typeface="Times New Roman" charset="0"/>
+                <a:ea typeface="Times New Roman" charset="0"/>
+                <a:cs typeface="Times New Roman" charset="0"/>
+              </a:rPr>
+              <a:t>Linguistic Niche </a:t>
+            </a:r>
+          </a:p>
+          <a:p>
+            <a:pPr algn="ctr"/>
+            <a:r>
+              <a:rPr lang="en-US" sz="1600" dirty="0" smtClean="0">
+                <a:solidFill>
+                  <a:srgbClr val="FF0000"/>
+                </a:solidFill>
+                <a:latin typeface="Times New Roman" charset="0"/>
+                <a:ea typeface="Times New Roman" charset="0"/>
+                <a:cs typeface="Times New Roman" charset="0"/>
+              </a:rPr>
+              <a:t>Hypothesis</a:t>
+            </a:r>
+          </a:p>
+        </p:txBody>
+      </p:sp>
     </p:spTree>
     <p:extLst>
       <p:ext uri="{BB962C8B-B14F-4D97-AF65-F5344CB8AC3E}">
@@ -3797,6 +4075,13 @@
   <p:clrMapOvr>
     <a:masterClrMapping/>
   </p:clrMapOvr>
+  <p:timing>
+    <p:tnLst>
+      <p:par>
+        <p:cTn id="1" dur="indefinite" restart="never" nodeType="tmRoot"/>
+      </p:par>
+    </p:tnLst>
+  </p:timing>
 </p:sld>
 </file>
 
